--- a/KernelDeveloperGuide/pptx/inputs_output.pptx
+++ b/KernelDeveloperGuide/pptx/inputs_output.pptx
@@ -4798,8 +4798,16 @@
               <a:pPr algn="ctr"/>
               <a:r>
                 <a:rPr lang="en-US" sz="1200" dirty="0" smtClean="0"/>
+                <a:t>Pre-installed</a:t>
+              </a:r>
+            </a:p>
+            <a:p>
+              <a:pPr algn="ctr"/>
+              <a:r>
+                <a:rPr lang="en-US" sz="1200" dirty="0" smtClean="0"/>
                 <a:t>Applications</a:t>
               </a:r>
+              <a:endParaRPr lang="en-US" sz="1200" dirty="0" smtClean="0"/>
             </a:p>
           </p:txBody>
         </p:sp>
@@ -4840,13 +4848,10 @@
           <a:p>
             <a:pPr algn="ctr"/>
             <a:r>
-              <a:rPr lang="en-US" sz="2000" dirty="0" err="1" smtClean="0"/>
-              <a:t>MicroEJ</a:t>
-            </a:r>
-            <a:r>
               <a:rPr lang="en-US" sz="2000" dirty="0" smtClean="0"/>
-              <a:t> SDK</a:t>
-            </a:r>
+              <a:t>MICROEJ SDK</a:t>
+            </a:r>
+            <a:endParaRPr lang="en-US" sz="2000" dirty="0" smtClean="0"/>
           </a:p>
         </p:txBody>
       </p:sp>
@@ -4887,14 +4892,7 @@
             <a:pPr algn="ctr"/>
             <a:r>
               <a:rPr lang="en-US" dirty="0" smtClean="0"/>
-              <a:t>Firmware Binary</a:t>
-            </a:r>
-            <a:br>
-              <a:rPr lang="en-US" dirty="0" smtClean="0"/>
-            </a:br>
-            <a:r>
-              <a:rPr lang="en-US" sz="1200" dirty="0" smtClean="0"/>
-              <a:t>(to be installed on device)</a:t>
+              <a:t>Executable</a:t>
             </a:r>
             <a:endParaRPr lang="en-US" dirty="0" smtClean="0"/>
           </a:p>
@@ -4902,13 +4900,13 @@
       </p:sp>
       <p:sp>
         <p:nvSpPr>
-          <p:cNvPr id="18" name="Rounded Rectangle 17"/>
+          <p:cNvPr id="19" name="Rounded Rectangle 18"/>
           <p:cNvSpPr/>
           <p:nvPr/>
         </p:nvSpPr>
         <p:spPr>
           <a:xfrm>
-            <a:off x="3274497" y="5403474"/>
+            <a:off x="6094512" y="5403474"/>
             <a:ext cx="2592288" cy="599574"/>
           </a:xfrm>
           <a:prstGeom prst="roundRect">
@@ -4937,80 +4935,11 @@
             <a:pPr algn="ctr"/>
             <a:r>
               <a:rPr lang="en-US" dirty="0" smtClean="0"/>
-              <a:t>Firmware Package</a:t>
-            </a:r>
-            <a:br>
+              <a:t>Virtual </a:t>
+            </a:r>
+            <a:r>
               <a:rPr lang="en-US" dirty="0" smtClean="0"/>
-            </a:br>
-            <a:r>
-              <a:rPr lang="en-US" sz="1200" dirty="0" smtClean="0"/>
-              <a:t>(to be imported in a </a:t>
-            </a:r>
-            <a:r>
-              <a:rPr lang="en-US" sz="1200" dirty="0" err="1" smtClean="0"/>
-              <a:t>MicroEJ</a:t>
-            </a:r>
-            <a:r>
-              <a:rPr lang="en-US" sz="1200" dirty="0" smtClean="0"/>
-              <a:t> Store)</a:t>
-            </a:r>
-            <a:endParaRPr lang="en-US" dirty="0" smtClean="0"/>
-          </a:p>
-        </p:txBody>
-      </p:sp>
-      <p:sp>
-        <p:nvSpPr>
-          <p:cNvPr id="19" name="Rounded Rectangle 18"/>
-          <p:cNvSpPr/>
-          <p:nvPr/>
-        </p:nvSpPr>
-        <p:spPr>
-          <a:xfrm>
-            <a:off x="6094512" y="5403474"/>
-            <a:ext cx="2592288" cy="599574"/>
-          </a:xfrm>
-          <a:prstGeom prst="roundRect">
-            <a:avLst/>
-          </a:prstGeom>
-          <a:ln/>
-        </p:spPr>
-        <p:style>
-          <a:lnRef idx="2">
-            <a:schemeClr val="dk1"/>
-          </a:lnRef>
-          <a:fillRef idx="1">
-            <a:schemeClr val="lt1"/>
-          </a:fillRef>
-          <a:effectRef idx="0">
-            <a:schemeClr val="dk1"/>
-          </a:effectRef>
-          <a:fontRef idx="minor">
-            <a:schemeClr val="dk1"/>
-          </a:fontRef>
-        </p:style>
-        <p:txBody>
-          <a:bodyPr rtlCol="0" anchor="ctr"/>
-          <a:lstStyle/>
-          <a:p>
-            <a:pPr algn="ctr"/>
-            <a:r>
-              <a:rPr lang="en-US" dirty="0" smtClean="0"/>
-              <a:t>Virtual Device</a:t>
-            </a:r>
-            <a:br>
-              <a:rPr lang="en-US" dirty="0" smtClean="0"/>
-            </a:br>
-            <a:r>
-              <a:rPr lang="en-US" sz="1200" dirty="0" smtClean="0"/>
-              <a:t>(to be imported in </a:t>
-            </a:r>
-            <a:r>
-              <a:rPr lang="en-US" sz="1200" dirty="0" err="1" smtClean="0"/>
-              <a:t>MicroEJ</a:t>
-            </a:r>
-            <a:r>
-              <a:rPr lang="en-US" sz="1200" dirty="0" smtClean="0"/>
-              <a:t> Studio)</a:t>
+              <a:t>Device</a:t>
             </a:r>
             <a:endParaRPr lang="en-US" dirty="0" smtClean="0"/>
           </a:p>
@@ -5061,13 +4990,13 @@
       </p:sp>
       <p:sp>
         <p:nvSpPr>
-          <p:cNvPr id="21" name="Down Arrow 20"/>
+          <p:cNvPr id="22" name="Down Arrow 21"/>
           <p:cNvSpPr/>
           <p:nvPr/>
         </p:nvSpPr>
         <p:spPr>
           <a:xfrm>
-            <a:off x="4426625" y="4646488"/>
+            <a:off x="7246640" y="4646488"/>
             <a:ext cx="288032" cy="648072"/>
           </a:xfrm>
           <a:prstGeom prst="downArrow">
@@ -5104,57 +5033,14 @@
       </p:sp>
       <p:sp>
         <p:nvSpPr>
-          <p:cNvPr id="22" name="Down Arrow 21"/>
-          <p:cNvSpPr/>
-          <p:nvPr/>
-        </p:nvSpPr>
-        <p:spPr>
-          <a:xfrm>
-            <a:off x="7246640" y="4646488"/>
-            <a:ext cx="288032" cy="648072"/>
-          </a:xfrm>
-          <a:prstGeom prst="downArrow">
-            <a:avLst/>
-          </a:prstGeom>
-          <a:ln>
-            <a:noFill/>
-          </a:ln>
-        </p:spPr>
-        <p:style>
-          <a:lnRef idx="2">
-            <a:schemeClr val="accent1">
-              <a:shade val="50000"/>
-            </a:schemeClr>
-          </a:lnRef>
-          <a:fillRef idx="1">
-            <a:schemeClr val="accent1"/>
-          </a:fillRef>
-          <a:effectRef idx="0">
-            <a:schemeClr val="accent1"/>
-          </a:effectRef>
-          <a:fontRef idx="minor">
-            <a:schemeClr val="lt1"/>
-          </a:fontRef>
-        </p:style>
-        <p:txBody>
-          <a:bodyPr rtlCol="0" anchor="ctr"/>
-          <a:lstStyle/>
-          <a:p>
-            <a:pPr algn="ctr"/>
-            <a:endParaRPr lang="en-US"/>
-          </a:p>
-        </p:txBody>
-      </p:sp>
-      <p:sp>
-        <p:nvSpPr>
           <p:cNvPr id="24" name="Rounded Rectangle 23"/>
           <p:cNvSpPr/>
           <p:nvPr/>
         </p:nvSpPr>
         <p:spPr>
           <a:xfrm>
-            <a:off x="1074651" y="2180317"/>
-            <a:ext cx="1331416" cy="486197"/>
+            <a:off x="1043608" y="2180317"/>
+            <a:ext cx="1362459" cy="486197"/>
           </a:xfrm>
           <a:prstGeom prst="roundRect">
             <a:avLst/>
@@ -5182,7 +5068,22 @@
             <a:pPr algn="ctr"/>
             <a:r>
               <a:rPr lang="en-US" sz="1200" dirty="0" smtClean="0"/>
-              <a:t>Kernel Custom Code</a:t>
+              <a:t>Kernel </a:t>
+            </a:r>
+            <a:r>
+              <a:rPr lang="en-US" sz="1200" dirty="0" smtClean="0"/>
+              <a:t>Application</a:t>
+            </a:r>
+          </a:p>
+          <a:p>
+            <a:pPr algn="ctr"/>
+            <a:r>
+              <a:rPr lang="en-US" sz="1200" dirty="0" smtClean="0"/>
+              <a:t>Custom </a:t>
+            </a:r>
+            <a:r>
+              <a:rPr lang="en-US" sz="1200" dirty="0" smtClean="0"/>
+              <a:t>Code</a:t>
             </a:r>
           </a:p>
         </p:txBody>
@@ -5224,8 +5125,9 @@
             <a:pPr algn="ctr"/>
             <a:r>
               <a:rPr lang="en-US" sz="1200" dirty="0" smtClean="0"/>
-              <a:t>Platform</a:t>
-            </a:r>
+              <a:t>VEE Port</a:t>
+            </a:r>
+            <a:endParaRPr lang="en-US" sz="1200" dirty="0" smtClean="0"/>
           </a:p>
         </p:txBody>
       </p:sp>
